--- a/Presentation.pptx
+++ b/Presentation.pptx
@@ -2,7 +2,7 @@
 <file path=ppt/presentation.xml><?xml version="1.0" encoding="utf-8"?>
 <p:presentation xmlns:a="http://schemas.openxmlformats.org/drawingml/2006/main" xmlns:r="http://schemas.openxmlformats.org/officeDocument/2006/relationships" xmlns:p="http://schemas.openxmlformats.org/presentationml/2006/main" saveSubsetFonts="1">
   <p:sldMasterIdLst>
-    <p:sldMasterId id="2147483997" r:id="rId1"/>
+    <p:sldMasterId id="2147484213" r:id="rId1"/>
   </p:sldMasterIdLst>
   <p:sldIdLst>
     <p:sldId id="256" r:id="rId2"/>
@@ -11,7 +11,9 @@
     <p:sldId id="259" r:id="rId5"/>
     <p:sldId id="260" r:id="rId6"/>
     <p:sldId id="261" r:id="rId7"/>
-    <p:sldId id="262" r:id="rId8"/>
+    <p:sldId id="263" r:id="rId8"/>
+    <p:sldId id="264" r:id="rId9"/>
+    <p:sldId id="262" r:id="rId10"/>
   </p:sldIdLst>
   <p:sldSz cx="12192000" cy="6858000"/>
   <p:notesSz cx="6858000" cy="9144000"/>
@@ -110,6 +112,11 @@
       </a:defRPr>
     </a:lvl9pPr>
   </p:defaultTextStyle>
+  <p:extLst>
+    <p:ext uri="{EFAFB233-063F-42B5-8137-9DF3F51BA10A}">
+      <p15:sldGuideLst xmlns:p15="http://schemas.microsoft.com/office/powerpoint/2012/main"/>
+    </p:ext>
+  </p:extLst>
 </p:presentation>
 </file>
 
@@ -191,7 +198,9 @@
               <a:buNone/>
               <a:defRPr sz="2100">
                 <a:solidFill>
-                  <a:schemeClr val="tx1"/>
+                  <a:schemeClr val="bg2">
+                    <a:lumMod val="50000"/>
+                  </a:schemeClr>
                 </a:solidFill>
               </a:defRPr>
             </a:lvl1pPr>
@@ -302,7 +311,7 @@
           <a:p>
             <a:fld id="{D9E80C4E-EAA3-4AF4-901F-D8FAA098E12A}" type="datetimeFigureOut">
               <a:rPr lang="en-IN" smtClean="0"/>
-              <a:t>16-01-2024</a:t>
+              <a:t>25-01-2024</a:t>
             </a:fld>
             <a:endParaRPr lang="en-IN" dirty="0"/>
           </a:p>
@@ -528,7 +537,7 @@
     </p:spTree>
     <p:extLst>
       <p:ext uri="{BB962C8B-B14F-4D97-AF65-F5344CB8AC3E}">
-        <p14:creationId xmlns:p14="http://schemas.microsoft.com/office/powerpoint/2010/main" val="524421350"/>
+        <p14:creationId xmlns:p14="http://schemas.microsoft.com/office/powerpoint/2010/main" val="3187736938"/>
       </p:ext>
     </p:extLst>
   </p:cSld>
@@ -658,9 +667,10 @@
           </a:lstStyle>
           <a:p>
             <a:r>
-              <a:rPr lang="en-US" dirty="0"/>
+              <a:rPr lang="en-US"/>
               <a:t>Click icon to add picture</a:t>
             </a:r>
+            <a:endParaRPr lang="en-US" dirty="0"/>
           </a:p>
         </p:txBody>
       </p:sp>
@@ -737,7 +747,7 @@
           <a:p>
             <a:fld id="{D9E80C4E-EAA3-4AF4-901F-D8FAA098E12A}" type="datetimeFigureOut">
               <a:rPr lang="en-IN" smtClean="0"/>
-              <a:t>16-01-2024</a:t>
+              <a:t>25-01-2024</a:t>
             </a:fld>
             <a:endParaRPr lang="en-IN" dirty="0"/>
           </a:p>
@@ -788,7 +798,7 @@
     </p:spTree>
     <p:extLst>
       <p:ext uri="{BB962C8B-B14F-4D97-AF65-F5344CB8AC3E}">
-        <p14:creationId xmlns:p14="http://schemas.microsoft.com/office/powerpoint/2010/main" val="3567495759"/>
+        <p14:creationId xmlns:p14="http://schemas.microsoft.com/office/powerpoint/2010/main" val="3684160527"/>
       </p:ext>
     </p:extLst>
   </p:cSld>
@@ -874,7 +884,9 @@
               <a:buNone/>
               <a:defRPr sz="2000">
                 <a:solidFill>
-                  <a:schemeClr val="tx1"/>
+                  <a:schemeClr val="bg2">
+                    <a:lumMod val="50000"/>
+                  </a:schemeClr>
                 </a:solidFill>
               </a:defRPr>
             </a:lvl1pPr>
@@ -985,7 +997,7 @@
           <a:p>
             <a:fld id="{D9E80C4E-EAA3-4AF4-901F-D8FAA098E12A}" type="datetimeFigureOut">
               <a:rPr lang="en-IN" smtClean="0"/>
-              <a:t>16-01-2024</a:t>
+              <a:t>25-01-2024</a:t>
             </a:fld>
             <a:endParaRPr lang="en-IN" dirty="0"/>
           </a:p>
@@ -1036,7 +1048,7 @@
     </p:spTree>
     <p:extLst>
       <p:ext uri="{BB962C8B-B14F-4D97-AF65-F5344CB8AC3E}">
-        <p14:creationId xmlns:p14="http://schemas.microsoft.com/office/powerpoint/2010/main" val="2679424260"/>
+        <p14:creationId xmlns:p14="http://schemas.microsoft.com/office/powerpoint/2010/main" val="242018036"/>
       </p:ext>
     </p:extLst>
   </p:cSld>
@@ -1180,7 +1192,9 @@
               <a:buNone/>
               <a:defRPr sz="2000">
                 <a:solidFill>
-                  <a:schemeClr val="tx1"/>
+                  <a:schemeClr val="bg2">
+                    <a:lumMod val="50000"/>
+                  </a:schemeClr>
                 </a:solidFill>
               </a:defRPr>
             </a:lvl1pPr>
@@ -1291,7 +1305,7 @@
           <a:p>
             <a:fld id="{D9E80C4E-EAA3-4AF4-901F-D8FAA098E12A}" type="datetimeFigureOut">
               <a:rPr lang="en-IN" smtClean="0"/>
-              <a:t>16-01-2024</a:t>
+              <a:t>25-01-2024</a:t>
             </a:fld>
             <a:endParaRPr lang="en-IN" dirty="0"/>
           </a:p>
@@ -1410,7 +1424,7 @@
     </p:spTree>
     <p:extLst>
       <p:ext uri="{BB962C8B-B14F-4D97-AF65-F5344CB8AC3E}">
-        <p14:creationId xmlns:p14="http://schemas.microsoft.com/office/powerpoint/2010/main" val="2607335651"/>
+        <p14:creationId xmlns:p14="http://schemas.microsoft.com/office/powerpoint/2010/main" val="1452213426"/>
       </p:ext>
     </p:extLst>
   </p:cSld>
@@ -1496,7 +1510,9 @@
               <a:buNone/>
               <a:defRPr sz="2000">
                 <a:solidFill>
-                  <a:schemeClr val="tx1"/>
+                  <a:schemeClr val="bg2">
+                    <a:lumMod val="50000"/>
+                  </a:schemeClr>
                 </a:solidFill>
               </a:defRPr>
             </a:lvl1pPr>
@@ -1607,7 +1623,7 @@
           <a:p>
             <a:fld id="{D9E80C4E-EAA3-4AF4-901F-D8FAA098E12A}" type="datetimeFigureOut">
               <a:rPr lang="en-IN" smtClean="0"/>
-              <a:t>16-01-2024</a:t>
+              <a:t>25-01-2024</a:t>
             </a:fld>
             <a:endParaRPr lang="en-IN" dirty="0"/>
           </a:p>
@@ -1658,7 +1674,7 @@
     </p:spTree>
     <p:extLst>
       <p:ext uri="{BB962C8B-B14F-4D97-AF65-F5344CB8AC3E}">
-        <p14:creationId xmlns:p14="http://schemas.microsoft.com/office/powerpoint/2010/main" val="966477890"/>
+        <p14:creationId xmlns:p14="http://schemas.microsoft.com/office/powerpoint/2010/main" val="133259838"/>
       </p:ext>
     </p:extLst>
   </p:cSld>
@@ -1796,7 +1812,9 @@
               <a:buNone/>
               <a:defRPr sz="1800">
                 <a:solidFill>
-                  <a:schemeClr val="tx1"/>
+                  <a:schemeClr val="bg2">
+                    <a:lumMod val="50000"/>
+                  </a:schemeClr>
                 </a:solidFill>
               </a:defRPr>
             </a:lvl1pPr>
@@ -1907,7 +1925,7 @@
           <a:p>
             <a:fld id="{D9E80C4E-EAA3-4AF4-901F-D8FAA098E12A}" type="datetimeFigureOut">
               <a:rPr lang="en-IN" smtClean="0"/>
-              <a:t>16-01-2024</a:t>
+              <a:t>25-01-2024</a:t>
             </a:fld>
             <a:endParaRPr lang="en-IN" dirty="0"/>
           </a:p>
@@ -2026,7 +2044,7 @@
     </p:spTree>
     <p:extLst>
       <p:ext uri="{BB962C8B-B14F-4D97-AF65-F5344CB8AC3E}">
-        <p14:creationId xmlns:p14="http://schemas.microsoft.com/office/powerpoint/2010/main" val="2714472377"/>
+        <p14:creationId xmlns:p14="http://schemas.microsoft.com/office/powerpoint/2010/main" val="1582147556"/>
       </p:ext>
     </p:extLst>
   </p:cSld>
@@ -2161,7 +2179,9 @@
               <a:buNone/>
               <a:defRPr sz="1800">
                 <a:solidFill>
-                  <a:schemeClr val="tx1"/>
+                  <a:schemeClr val="bg2">
+                    <a:lumMod val="50000"/>
+                  </a:schemeClr>
                 </a:solidFill>
               </a:defRPr>
             </a:lvl1pPr>
@@ -2272,7 +2292,7 @@
           <a:p>
             <a:fld id="{D9E80C4E-EAA3-4AF4-901F-D8FAA098E12A}" type="datetimeFigureOut">
               <a:rPr lang="en-IN" smtClean="0"/>
-              <a:t>16-01-2024</a:t>
+              <a:t>25-01-2024</a:t>
             </a:fld>
             <a:endParaRPr lang="en-IN" dirty="0"/>
           </a:p>
@@ -2323,7 +2343,7 @@
     </p:spTree>
     <p:extLst>
       <p:ext uri="{BB962C8B-B14F-4D97-AF65-F5344CB8AC3E}">
-        <p14:creationId xmlns:p14="http://schemas.microsoft.com/office/powerpoint/2010/main" val="1625792516"/>
+        <p14:creationId xmlns:p14="http://schemas.microsoft.com/office/powerpoint/2010/main" val="1718203218"/>
       </p:ext>
     </p:extLst>
   </p:cSld>
@@ -2446,7 +2466,7 @@
           <a:p>
             <a:fld id="{D9E80C4E-EAA3-4AF4-901F-D8FAA098E12A}" type="datetimeFigureOut">
               <a:rPr lang="en-IN" smtClean="0"/>
-              <a:t>16-01-2024</a:t>
+              <a:t>25-01-2024</a:t>
             </a:fld>
             <a:endParaRPr lang="en-IN" dirty="0"/>
           </a:p>
@@ -2497,7 +2517,7 @@
     </p:spTree>
     <p:extLst>
       <p:ext uri="{BB962C8B-B14F-4D97-AF65-F5344CB8AC3E}">
-        <p14:creationId xmlns:p14="http://schemas.microsoft.com/office/powerpoint/2010/main" val="2730965894"/>
+        <p14:creationId xmlns:p14="http://schemas.microsoft.com/office/powerpoint/2010/main" val="332513896"/>
       </p:ext>
     </p:extLst>
   </p:cSld>
@@ -2626,7 +2646,7 @@
           <a:p>
             <a:fld id="{D9E80C4E-EAA3-4AF4-901F-D8FAA098E12A}" type="datetimeFigureOut">
               <a:rPr lang="en-IN" smtClean="0"/>
-              <a:t>16-01-2024</a:t>
+              <a:t>25-01-2024</a:t>
             </a:fld>
             <a:endParaRPr lang="en-IN" dirty="0"/>
           </a:p>
@@ -2677,7 +2697,7 @@
     </p:spTree>
     <p:extLst>
       <p:ext uri="{BB962C8B-B14F-4D97-AF65-F5344CB8AC3E}">
-        <p14:creationId xmlns:p14="http://schemas.microsoft.com/office/powerpoint/2010/main" val="1817976094"/>
+        <p14:creationId xmlns:p14="http://schemas.microsoft.com/office/powerpoint/2010/main" val="3534680353"/>
       </p:ext>
     </p:extLst>
   </p:cSld>
@@ -2796,7 +2816,7 @@
           <a:p>
             <a:fld id="{D9E80C4E-EAA3-4AF4-901F-D8FAA098E12A}" type="datetimeFigureOut">
               <a:rPr lang="en-IN" smtClean="0"/>
-              <a:t>16-01-2024</a:t>
+              <a:t>25-01-2024</a:t>
             </a:fld>
             <a:endParaRPr lang="en-IN" dirty="0"/>
           </a:p>
@@ -2847,7 +2867,7 @@
     </p:spTree>
     <p:extLst>
       <p:ext uri="{BB962C8B-B14F-4D97-AF65-F5344CB8AC3E}">
-        <p14:creationId xmlns:p14="http://schemas.microsoft.com/office/powerpoint/2010/main" val="3449607536"/>
+        <p14:creationId xmlns:p14="http://schemas.microsoft.com/office/powerpoint/2010/main" val="2390525051"/>
       </p:ext>
     </p:extLst>
   </p:cSld>
@@ -2933,7 +2953,9 @@
               <a:buNone/>
               <a:defRPr sz="1800">
                 <a:solidFill>
-                  <a:schemeClr val="tx1"/>
+                  <a:schemeClr val="bg2">
+                    <a:lumMod val="50000"/>
+                  </a:schemeClr>
                 </a:solidFill>
               </a:defRPr>
             </a:lvl1pPr>
@@ -3044,7 +3066,7 @@
           <a:p>
             <a:fld id="{D9E80C4E-EAA3-4AF4-901F-D8FAA098E12A}" type="datetimeFigureOut">
               <a:rPr lang="en-IN" smtClean="0"/>
-              <a:t>16-01-2024</a:t>
+              <a:t>25-01-2024</a:t>
             </a:fld>
             <a:endParaRPr lang="en-IN" dirty="0"/>
           </a:p>
@@ -3095,7 +3117,7 @@
     </p:spTree>
     <p:extLst>
       <p:ext uri="{BB962C8B-B14F-4D97-AF65-F5344CB8AC3E}">
-        <p14:creationId xmlns:p14="http://schemas.microsoft.com/office/powerpoint/2010/main" val="1231061939"/>
+        <p14:creationId xmlns:p14="http://schemas.microsoft.com/office/powerpoint/2010/main" val="1359689731"/>
       </p:ext>
     </p:extLst>
   </p:cSld>
@@ -3280,7 +3302,7 @@
           <a:p>
             <a:fld id="{D9E80C4E-EAA3-4AF4-901F-D8FAA098E12A}" type="datetimeFigureOut">
               <a:rPr lang="en-IN" smtClean="0"/>
-              <a:t>16-01-2024</a:t>
+              <a:t>25-01-2024</a:t>
             </a:fld>
             <a:endParaRPr lang="en-IN" dirty="0"/>
           </a:p>
@@ -3331,7 +3353,7 @@
     </p:spTree>
     <p:extLst>
       <p:ext uri="{BB962C8B-B14F-4D97-AF65-F5344CB8AC3E}">
-        <p14:creationId xmlns:p14="http://schemas.microsoft.com/office/powerpoint/2010/main" val="2247720754"/>
+        <p14:creationId xmlns:p14="http://schemas.microsoft.com/office/powerpoint/2010/main" val="2997458402"/>
       </p:ext>
     </p:extLst>
   </p:cSld>
@@ -3662,7 +3684,7 @@
           <a:p>
             <a:fld id="{D9E80C4E-EAA3-4AF4-901F-D8FAA098E12A}" type="datetimeFigureOut">
               <a:rPr lang="en-IN" smtClean="0"/>
-              <a:t>16-01-2024</a:t>
+              <a:t>25-01-2024</a:t>
             </a:fld>
             <a:endParaRPr lang="en-IN" dirty="0"/>
           </a:p>
@@ -3713,7 +3735,7 @@
     </p:spTree>
     <p:extLst>
       <p:ext uri="{BB962C8B-B14F-4D97-AF65-F5344CB8AC3E}">
-        <p14:creationId xmlns:p14="http://schemas.microsoft.com/office/powerpoint/2010/main" val="1470398773"/>
+        <p14:creationId xmlns:p14="http://schemas.microsoft.com/office/powerpoint/2010/main" val="3621816127"/>
       </p:ext>
     </p:extLst>
   </p:cSld>
@@ -3780,7 +3802,7 @@
           <a:p>
             <a:fld id="{D9E80C4E-EAA3-4AF4-901F-D8FAA098E12A}" type="datetimeFigureOut">
               <a:rPr lang="en-IN" smtClean="0"/>
-              <a:t>16-01-2024</a:t>
+              <a:t>25-01-2024</a:t>
             </a:fld>
             <a:endParaRPr lang="en-IN" dirty="0"/>
           </a:p>
@@ -3831,7 +3853,7 @@
     </p:spTree>
     <p:extLst>
       <p:ext uri="{BB962C8B-B14F-4D97-AF65-F5344CB8AC3E}">
-        <p14:creationId xmlns:p14="http://schemas.microsoft.com/office/powerpoint/2010/main" val="2511595669"/>
+        <p14:creationId xmlns:p14="http://schemas.microsoft.com/office/powerpoint/2010/main" val="3977250743"/>
       </p:ext>
     </p:extLst>
   </p:cSld>
@@ -3875,7 +3897,7 @@
           <a:p>
             <a:fld id="{D9E80C4E-EAA3-4AF4-901F-D8FAA098E12A}" type="datetimeFigureOut">
               <a:rPr lang="en-IN" smtClean="0"/>
-              <a:t>16-01-2024</a:t>
+              <a:t>25-01-2024</a:t>
             </a:fld>
             <a:endParaRPr lang="en-IN" dirty="0"/>
           </a:p>
@@ -3926,7 +3948,7 @@
     </p:spTree>
     <p:extLst>
       <p:ext uri="{BB962C8B-B14F-4D97-AF65-F5344CB8AC3E}">
-        <p14:creationId xmlns:p14="http://schemas.microsoft.com/office/powerpoint/2010/main" val="1532573553"/>
+        <p14:creationId xmlns:p14="http://schemas.microsoft.com/office/powerpoint/2010/main" val="926846940"/>
       </p:ext>
     </p:extLst>
   </p:cSld>
@@ -4130,7 +4152,7 @@
           <a:p>
             <a:fld id="{D9E80C4E-EAA3-4AF4-901F-D8FAA098E12A}" type="datetimeFigureOut">
               <a:rPr lang="en-IN" smtClean="0"/>
-              <a:t>16-01-2024</a:t>
+              <a:t>25-01-2024</a:t>
             </a:fld>
             <a:endParaRPr lang="en-IN" dirty="0"/>
           </a:p>
@@ -4181,7 +4203,7 @@
     </p:spTree>
     <p:extLst>
       <p:ext uri="{BB962C8B-B14F-4D97-AF65-F5344CB8AC3E}">
-        <p14:creationId xmlns:p14="http://schemas.microsoft.com/office/powerpoint/2010/main" val="3892113052"/>
+        <p14:creationId xmlns:p14="http://schemas.microsoft.com/office/powerpoint/2010/main" val="672073188"/>
       </p:ext>
     </p:extLst>
   </p:cSld>
@@ -4322,9 +4344,10 @@
           </a:lstStyle>
           <a:p>
             <a:r>
-              <a:rPr lang="en-US" dirty="0"/>
+              <a:rPr lang="en-US"/>
               <a:t>Click icon to add picture</a:t>
             </a:r>
+            <a:endParaRPr lang="en-US" dirty="0"/>
           </a:p>
         </p:txBody>
       </p:sp>
@@ -4412,7 +4435,7 @@
           <a:p>
             <a:fld id="{D9E80C4E-EAA3-4AF4-901F-D8FAA098E12A}" type="datetimeFigureOut">
               <a:rPr lang="en-IN" smtClean="0"/>
-              <a:t>16-01-2024</a:t>
+              <a:t>25-01-2024</a:t>
             </a:fld>
             <a:endParaRPr lang="en-IN" dirty="0"/>
           </a:p>
@@ -4463,7 +4486,7 @@
     </p:spTree>
     <p:extLst>
       <p:ext uri="{BB962C8B-B14F-4D97-AF65-F5344CB8AC3E}">
-        <p14:creationId xmlns:p14="http://schemas.microsoft.com/office/powerpoint/2010/main" val="268037236"/>
+        <p14:creationId xmlns:p14="http://schemas.microsoft.com/office/powerpoint/2010/main" val="707612266"/>
       </p:ext>
     </p:extLst>
   </p:cSld>
@@ -4818,7 +4841,7 @@
           <a:p>
             <a:fld id="{D9E80C4E-EAA3-4AF4-901F-D8FAA098E12A}" type="datetimeFigureOut">
               <a:rPr lang="en-IN" smtClean="0"/>
-              <a:t>16-01-2024</a:t>
+              <a:t>25-01-2024</a:t>
             </a:fld>
             <a:endParaRPr lang="en-IN" dirty="0"/>
           </a:p>
@@ -4909,29 +4932,29 @@
     </p:spTree>
     <p:extLst>
       <p:ext uri="{BB962C8B-B14F-4D97-AF65-F5344CB8AC3E}">
-        <p14:creationId xmlns:p14="http://schemas.microsoft.com/office/powerpoint/2010/main" val="2194088021"/>
+        <p14:creationId xmlns:p14="http://schemas.microsoft.com/office/powerpoint/2010/main" val="2625376827"/>
       </p:ext>
     </p:extLst>
   </p:cSld>
   <p:clrMap bg1="dk1" tx1="lt1" bg2="dk2" tx2="lt2" accent1="accent1" accent2="accent2" accent3="accent3" accent4="accent4" accent5="accent5" accent6="accent6" hlink="hlink" folHlink="folHlink"/>
   <p:sldLayoutIdLst>
-    <p:sldLayoutId id="2147483998" r:id="rId1"/>
-    <p:sldLayoutId id="2147483999" r:id="rId2"/>
-    <p:sldLayoutId id="2147484000" r:id="rId3"/>
-    <p:sldLayoutId id="2147484001" r:id="rId4"/>
-    <p:sldLayoutId id="2147484002" r:id="rId5"/>
-    <p:sldLayoutId id="2147484003" r:id="rId6"/>
-    <p:sldLayoutId id="2147484004" r:id="rId7"/>
-    <p:sldLayoutId id="2147484005" r:id="rId8"/>
-    <p:sldLayoutId id="2147484006" r:id="rId9"/>
-    <p:sldLayoutId id="2147484007" r:id="rId10"/>
-    <p:sldLayoutId id="2147484008" r:id="rId11"/>
-    <p:sldLayoutId id="2147484009" r:id="rId12"/>
-    <p:sldLayoutId id="2147484010" r:id="rId13"/>
-    <p:sldLayoutId id="2147484011" r:id="rId14"/>
-    <p:sldLayoutId id="2147484012" r:id="rId15"/>
-    <p:sldLayoutId id="2147484013" r:id="rId16"/>
-    <p:sldLayoutId id="2147484014" r:id="rId17"/>
+    <p:sldLayoutId id="2147484214" r:id="rId1"/>
+    <p:sldLayoutId id="2147484215" r:id="rId2"/>
+    <p:sldLayoutId id="2147484216" r:id="rId3"/>
+    <p:sldLayoutId id="2147484217" r:id="rId4"/>
+    <p:sldLayoutId id="2147484218" r:id="rId5"/>
+    <p:sldLayoutId id="2147484219" r:id="rId6"/>
+    <p:sldLayoutId id="2147484220" r:id="rId7"/>
+    <p:sldLayoutId id="2147484221" r:id="rId8"/>
+    <p:sldLayoutId id="2147484222" r:id="rId9"/>
+    <p:sldLayoutId id="2147484223" r:id="rId10"/>
+    <p:sldLayoutId id="2147484224" r:id="rId11"/>
+    <p:sldLayoutId id="2147484225" r:id="rId12"/>
+    <p:sldLayoutId id="2147484226" r:id="rId13"/>
+    <p:sldLayoutId id="2147484227" r:id="rId14"/>
+    <p:sldLayoutId id="2147484228" r:id="rId15"/>
+    <p:sldLayoutId id="2147484229" r:id="rId16"/>
+    <p:sldLayoutId id="2147484230" r:id="rId17"/>
   </p:sldLayoutIdLst>
   <p:txStyles>
     <p:titleStyle>
@@ -5026,7 +5049,9 @@
         <a:buChar char=""/>
         <a:defRPr sz="2000" kern="1200" cap="none">
           <a:solidFill>
-            <a:schemeClr val="tx1"/>
+            <a:schemeClr val="bg2">
+              <a:lumMod val="50000"/>
+            </a:schemeClr>
           </a:solidFill>
           <a:effectLst/>
           <a:latin typeface="+mn-lt"/>
@@ -5049,7 +5074,9 @@
         <a:buChar char=""/>
         <a:defRPr sz="1800" kern="1200" cap="none">
           <a:solidFill>
-            <a:schemeClr val="tx1"/>
+            <a:schemeClr val="bg2">
+              <a:lumMod val="50000"/>
+            </a:schemeClr>
           </a:solidFill>
           <a:effectLst/>
           <a:latin typeface="+mn-lt"/>
@@ -5072,7 +5099,9 @@
         <a:buChar char=""/>
         <a:defRPr sz="1600" kern="1200" cap="none">
           <a:solidFill>
-            <a:schemeClr val="tx1"/>
+            <a:schemeClr val="bg2">
+              <a:lumMod val="50000"/>
+            </a:schemeClr>
           </a:solidFill>
           <a:effectLst/>
           <a:latin typeface="+mn-lt"/>
@@ -5095,7 +5124,9 @@
         <a:buChar char=""/>
         <a:defRPr sz="1400" kern="1200" cap="none">
           <a:solidFill>
-            <a:schemeClr val="tx1"/>
+            <a:schemeClr val="bg2">
+              <a:lumMod val="50000"/>
+            </a:schemeClr>
           </a:solidFill>
           <a:effectLst/>
           <a:latin typeface="+mn-lt"/>
@@ -5103,7 +5134,7 @@
           <a:cs typeface="+mn-cs"/>
         </a:defRPr>
       </a:lvl4pPr>
-      <a:lvl5pPr marL="2000250" indent="-171450" algn="l" defTabSz="457200" rtl="0" eaLnBrk="1" latinLnBrk="0" hangingPunct="1">
+      <a:lvl5pPr marL="2114550" indent="-285750" algn="l" defTabSz="457200" rtl="0" eaLnBrk="1" latinLnBrk="0" hangingPunct="1">
         <a:spcBef>
           <a:spcPct val="20000"/>
         </a:spcBef>
@@ -5118,7 +5149,9 @@
         <a:buChar char=""/>
         <a:defRPr sz="1400" kern="1200" cap="none">
           <a:solidFill>
-            <a:schemeClr val="tx1"/>
+            <a:schemeClr val="bg2">
+              <a:lumMod val="50000"/>
+            </a:schemeClr>
           </a:solidFill>
           <a:effectLst/>
           <a:latin typeface="+mn-lt"/>
@@ -5141,7 +5174,9 @@
         <a:buChar char=""/>
         <a:defRPr sz="1400" kern="1200" cap="none">
           <a:solidFill>
-            <a:schemeClr val="tx1"/>
+            <a:schemeClr val="bg2">
+              <a:lumMod val="50000"/>
+            </a:schemeClr>
           </a:solidFill>
           <a:effectLst/>
           <a:latin typeface="+mn-lt"/>
@@ -5164,7 +5199,9 @@
         <a:buChar char=""/>
         <a:defRPr sz="1400" kern="1200" cap="none">
           <a:solidFill>
-            <a:schemeClr val="tx1"/>
+            <a:schemeClr val="bg2">
+              <a:lumMod val="50000"/>
+            </a:schemeClr>
           </a:solidFill>
           <a:effectLst/>
           <a:latin typeface="+mn-lt"/>
@@ -5187,7 +5224,9 @@
         <a:buChar char=""/>
         <a:defRPr sz="1400" kern="1200" cap="none">
           <a:solidFill>
-            <a:schemeClr val="tx1"/>
+            <a:schemeClr val="bg2">
+              <a:lumMod val="50000"/>
+            </a:schemeClr>
           </a:solidFill>
           <a:effectLst/>
           <a:latin typeface="+mn-lt"/>
@@ -5210,7 +5249,9 @@
         <a:buChar char=""/>
         <a:defRPr sz="1400" kern="1200" cap="none">
           <a:solidFill>
-            <a:schemeClr val="tx1"/>
+            <a:schemeClr val="bg2">
+              <a:lumMod val="50000"/>
+            </a:schemeClr>
           </a:solidFill>
           <a:effectLst/>
           <a:latin typeface="+mn-lt"/>
@@ -5459,14 +5500,20 @@
             <a:r>
               <a:rPr lang="en-US" sz="4000" dirty="0">
                 <a:solidFill>
-                  <a:srgbClr val="002060"/>
+                  <a:schemeClr val="accent6">
+                    <a:lumMod val="60000"/>
+                    <a:lumOff val="40000"/>
+                  </a:schemeClr>
                 </a:solidFill>
               </a:rPr>
               <a:t>BY- AYUSH GUPTA</a:t>
             </a:r>
             <a:endParaRPr lang="en-IN" sz="4000" dirty="0">
               <a:solidFill>
-                <a:srgbClr val="002060"/>
+                <a:schemeClr val="accent6">
+                  <a:lumMod val="60000"/>
+                  <a:lumOff val="40000"/>
+                </a:schemeClr>
               </a:solidFill>
             </a:endParaRPr>
           </a:p>
@@ -5667,7 +5714,7 @@
         </p:nvSpPr>
         <p:spPr>
           <a:xfrm>
-            <a:off x="107575" y="2178424"/>
+            <a:off x="59390" y="1900518"/>
             <a:ext cx="4805082" cy="2752165"/>
           </a:xfrm>
           <a:prstGeom prst="roundRect">
@@ -5882,7 +5929,10 @@
             <a:r>
               <a:rPr lang="en-US" sz="3500" dirty="0">
                 <a:solidFill>
-                  <a:srgbClr val="002060"/>
+                  <a:schemeClr val="accent2">
+                    <a:lumMod val="60000"/>
+                    <a:lumOff val="40000"/>
+                  </a:schemeClr>
                 </a:solidFill>
                 <a:latin typeface="Aptos" panose="020B0004020202020204" pitchFamily="34" charset="0"/>
               </a:rPr>
@@ -5898,8 +5948,8 @@
               <a:rPr lang="en-US" sz="3500" b="1" dirty="0">
                 <a:solidFill>
                   <a:schemeClr val="accent3">
-                    <a:lumMod val="60000"/>
-                    <a:lumOff val="40000"/>
+                    <a:lumMod val="40000"/>
+                    <a:lumOff val="60000"/>
                   </a:schemeClr>
                 </a:solidFill>
                 <a:latin typeface="Cascadia Code" panose="020B0609020000020004" pitchFamily="49" charset="0"/>
@@ -5968,13 +6018,13 @@
   <p:clrMapOvr>
     <a:masterClrMapping/>
   </p:clrMapOvr>
-  <mc:AlternateContent xmlns:mc="http://schemas.openxmlformats.org/markup-compatibility/2006">
-    <mc:Choice xmlns:p14="http://schemas.microsoft.com/office/powerpoint/2010/main" Requires="p14">
+  <mc:AlternateContent xmlns:mc="http://schemas.openxmlformats.org/markup-compatibility/2006" xmlns:p14="http://schemas.microsoft.com/office/powerpoint/2010/main">
+    <mc:Choice Requires="p14">
       <p:transition spd="slow" p14:dur="1200">
         <p14:prism/>
       </p:transition>
     </mc:Choice>
-    <mc:Fallback>
+    <mc:Fallback xmlns="">
       <p:transition spd="slow">
         <p:fade/>
       </p:transition>
@@ -6675,13 +6725,13 @@
   <p:clrMapOvr>
     <a:masterClrMapping/>
   </p:clrMapOvr>
-  <mc:AlternateContent xmlns:mc="http://schemas.openxmlformats.org/markup-compatibility/2006">
-    <mc:Choice xmlns:p15="http://schemas.microsoft.com/office/powerpoint/2012/main" Requires="p15">
+  <mc:AlternateContent xmlns:mc="http://schemas.openxmlformats.org/markup-compatibility/2006" xmlns:p15="http://schemas.microsoft.com/office/powerpoint/2012/main">
+    <mc:Choice Requires="p15">
       <p:transition xmlns:p14="http://schemas.microsoft.com/office/powerpoint/2010/main" spd="slow" p14:dur="3250">
         <p15:prstTrans prst="origami"/>
       </p:transition>
     </mc:Choice>
-    <mc:Fallback>
+    <mc:Fallback xmlns="">
       <p:transition spd="slow">
         <p:fade/>
       </p:transition>
@@ -7110,7 +7160,7 @@
         </p:nvSpPr>
         <p:spPr>
           <a:xfrm>
-            <a:off x="1" y="851647"/>
+            <a:off x="-17931" y="645458"/>
             <a:ext cx="4858870" cy="6006352"/>
           </a:xfrm>
         </p:spPr>
@@ -7124,7 +7174,7 @@
               <a:buNone/>
             </a:pPr>
             <a:r>
-              <a:rPr lang="en-US" sz="2800" b="1" i="1" dirty="0">
+              <a:rPr lang="en-US" sz="3300" b="1" i="1" dirty="0">
                 <a:solidFill>
                   <a:schemeClr val="accent5">
                     <a:lumMod val="40000"/>
@@ -7138,11 +7188,12 @@
                     </a:srgbClr>
                   </a:outerShdw>
                 </a:effectLst>
+                <a:latin typeface="Aptos" panose="020B0004020202020204" pitchFamily="34" charset="0"/>
               </a:rPr>
-              <a:t>Conditional statements are another type of statement in Programming. They are used to change the behavior of the program based off </a:t>
-            </a:r>
-            <a:r>
-              <a:rPr lang="en-US" sz="2800" b="1" i="1" dirty="0">
+              <a:t>Conditional statements are used to change the behavior of the program based off </a:t>
+            </a:r>
+            <a:r>
+              <a:rPr lang="en-US" sz="3300" b="1" i="1" dirty="0">
                 <a:solidFill>
                   <a:srgbClr val="FFC000"/>
                 </a:solidFill>
@@ -7153,11 +7204,12 @@
                     </a:srgbClr>
                   </a:outerShdw>
                 </a:effectLst>
+                <a:latin typeface="Aptos" panose="020B0004020202020204" pitchFamily="34" charset="0"/>
               </a:rPr>
               <a:t>a condition , </a:t>
             </a:r>
             <a:r>
-              <a:rPr lang="en-US" sz="2800" b="1" i="1" dirty="0">
+              <a:rPr lang="en-US" sz="3300" b="1" i="1" dirty="0">
                 <a:solidFill>
                   <a:schemeClr val="accent5">
                     <a:lumMod val="40000"/>
@@ -7171,11 +7223,12 @@
                     </a:srgbClr>
                   </a:outerShdw>
                 </a:effectLst>
+                <a:latin typeface="Aptos" panose="020B0004020202020204" pitchFamily="34" charset="0"/>
               </a:rPr>
               <a:t>mostly evaluated from user input and choice. They take </a:t>
             </a:r>
             <a:r>
-              <a:rPr lang="en-US" sz="2800" b="1" i="1" dirty="0">
+              <a:rPr lang="en-US" sz="3300" b="1" i="1" dirty="0">
                 <a:solidFill>
                   <a:srgbClr val="FFC000"/>
                 </a:solidFill>
@@ -7186,11 +7239,12 @@
                     </a:srgbClr>
                   </a:outerShdw>
                 </a:effectLst>
+                <a:latin typeface="Aptos" panose="020B0004020202020204" pitchFamily="34" charset="0"/>
               </a:rPr>
               <a:t>true and false </a:t>
             </a:r>
             <a:r>
-              <a:rPr lang="en-US" sz="2800" b="1" i="1" dirty="0">
+              <a:rPr lang="en-US" sz="3300" b="1" i="1" dirty="0">
                 <a:solidFill>
                   <a:schemeClr val="accent5">
                     <a:lumMod val="40000"/>
@@ -7204,10 +7258,11 @@
                     </a:srgbClr>
                   </a:outerShdw>
                 </a:effectLst>
+                <a:latin typeface="Aptos" panose="020B0004020202020204" pitchFamily="34" charset="0"/>
               </a:rPr>
               <a:t>values and change the behavior of the program accordingly. Here’s an example in Python</a:t>
             </a:r>
-            <a:endParaRPr lang="en-IN" sz="2800" b="1" i="1" dirty="0">
+            <a:endParaRPr lang="en-IN" sz="3300" b="1" i="1" dirty="0">
               <a:solidFill>
                 <a:schemeClr val="accent5">
                   <a:lumMod val="40000"/>
@@ -7221,6 +7276,7 @@
                   </a:srgbClr>
                 </a:outerShdw>
               </a:effectLst>
+              <a:latin typeface="Aptos" panose="020B0004020202020204" pitchFamily="34" charset="0"/>
             </a:endParaRPr>
           </a:p>
         </p:txBody>
@@ -7450,13 +7506,13 @@
   <p:clrMapOvr>
     <a:masterClrMapping/>
   </p:clrMapOvr>
-  <mc:AlternateContent xmlns:mc="http://schemas.openxmlformats.org/markup-compatibility/2006">
-    <mc:Choice xmlns:p14="http://schemas.microsoft.com/office/powerpoint/2010/main" Requires="p14">
+  <mc:AlternateContent xmlns:mc="http://schemas.openxmlformats.org/markup-compatibility/2006" xmlns:p14="http://schemas.microsoft.com/office/powerpoint/2010/main">
+    <mc:Choice Requires="p14">
       <p:transition spd="slow" p14:dur="4000">
         <p14:vortex dir="r"/>
       </p:transition>
     </mc:Choice>
-    <mc:Fallback>
+    <mc:Fallback xmlns="">
       <p:transition spd="slow">
         <p:fade/>
       </p:transition>
@@ -8858,13 +8914,13 @@
   <p:clrMapOvr>
     <a:masterClrMapping/>
   </p:clrMapOvr>
-  <mc:AlternateContent xmlns:mc="http://schemas.openxmlformats.org/markup-compatibility/2006">
-    <mc:Choice xmlns:p14="http://schemas.microsoft.com/office/powerpoint/2010/main" Requires="p14">
+  <mc:AlternateContent xmlns:mc="http://schemas.openxmlformats.org/markup-compatibility/2006" xmlns:p14="http://schemas.microsoft.com/office/powerpoint/2010/main">
+    <mc:Choice Requires="p14">
       <p:transition spd="slow" p14:dur="4400">
         <p14:honeycomb/>
       </p:transition>
     </mc:Choice>
-    <mc:Fallback>
+    <mc:Fallback xmlns="">
       <p:transition spd="slow">
         <p:fade/>
       </p:transition>
@@ -9573,7 +9629,7 @@
         <p:spPr>
           <a:xfrm>
             <a:off x="0" y="681854"/>
-            <a:ext cx="4491317" cy="6093976"/>
+            <a:ext cx="4491317" cy="5478423"/>
           </a:xfrm>
           <a:prstGeom prst="rect">
             <a:avLst/>
@@ -9586,10 +9642,6 @@
           </a:bodyPr>
           <a:lstStyle/>
           <a:p>
-            <a:pPr marL="342900" indent="-342900">
-              <a:buFont typeface="+mj-lt"/>
-              <a:buAutoNum type="arabicPeriod"/>
-            </a:pPr>
             <a:r>
               <a:rPr lang="en-US" sz="3500" dirty="0">
                 <a:solidFill>
@@ -9597,7 +9649,7 @@
                 </a:solidFill>
                 <a:latin typeface="Aptos" panose="020B0004020202020204" pitchFamily="34" charset="0"/>
               </a:rPr>
-              <a:t>If..elif..else statements:</a:t>
+              <a:t>2. If..elif..else 	statements:</a:t>
             </a:r>
             <a:br>
               <a:rPr lang="en-US" sz="3500" dirty="0">
@@ -9611,7 +9663,7 @@
               <a:rPr lang="en-US" sz="4000" dirty="0">
                 <a:latin typeface="Aptos" panose="020B0004020202020204" pitchFamily="34" charset="0"/>
               </a:rPr>
-              <a:t>	-If..elif..else statements are used to evaluate many conditions and react according to it. Here’s an example.</a:t>
+              <a:t>	-If..elif..else statements are used to evaluate many conditions and react according to them. Here’s an example.</a:t>
             </a:r>
             <a:endParaRPr lang="en-IN" sz="4000" dirty="0">
               <a:solidFill>
@@ -9745,13 +9797,13 @@
   <p:clrMapOvr>
     <a:masterClrMapping/>
   </p:clrMapOvr>
-  <mc:AlternateContent xmlns:mc="http://schemas.openxmlformats.org/markup-compatibility/2006">
-    <mc:Choice xmlns:p14="http://schemas.microsoft.com/office/powerpoint/2010/main" Requires="p14">
+  <mc:AlternateContent xmlns:mc="http://schemas.openxmlformats.org/markup-compatibility/2006" xmlns:p14="http://schemas.microsoft.com/office/powerpoint/2010/main">
+    <mc:Choice Requires="p14">
       <p:transition spd="slow" p14:dur="2500">
         <p:checker/>
       </p:transition>
     </mc:Choice>
-    <mc:Fallback>
+    <mc:Fallback xmlns="">
       <p:transition spd="slow">
         <p:checker/>
       </p:transition>
@@ -10224,6 +10276,1333 @@
       </p:grpSpPr>
       <p:sp>
         <p:nvSpPr>
+          <p:cNvPr id="4" name="TextBox 3">
+            <a:extLst>
+              <a:ext uri="{FF2B5EF4-FFF2-40B4-BE49-F238E27FC236}">
+                <a16:creationId xmlns:a16="http://schemas.microsoft.com/office/drawing/2014/main" id="{B6C40C12-D292-45E2-1D52-0ECCA863952D}"/>
+              </a:ext>
+            </a:extLst>
+          </p:cNvPr>
+          <p:cNvSpPr txBox="1"/>
+          <p:nvPr/>
+        </p:nvSpPr>
+        <p:spPr>
+          <a:xfrm>
+            <a:off x="0" y="0"/>
+            <a:ext cx="12192000" cy="553998"/>
+          </a:xfrm>
+          <a:prstGeom prst="rect">
+            <a:avLst/>
+          </a:prstGeom>
+          <a:noFill/>
+        </p:spPr>
+        <p:txBody>
+          <a:bodyPr wrap="square" rtlCol="0">
+            <a:spAutoFit/>
+          </a:bodyPr>
+          <a:lstStyle/>
+          <a:p>
+            <a:pPr algn="ctr"/>
+            <a:r>
+              <a:rPr lang="en-US" sz="3000" dirty="0"/>
+              <a:t>ITERATIVE STATEMENTS</a:t>
+            </a:r>
+            <a:endParaRPr lang="en-IN" sz="3000" dirty="0"/>
+          </a:p>
+        </p:txBody>
+      </p:sp>
+      <p:sp>
+        <p:nvSpPr>
+          <p:cNvPr id="5" name="TextBox 4">
+            <a:extLst>
+              <a:ext uri="{FF2B5EF4-FFF2-40B4-BE49-F238E27FC236}">
+                <a16:creationId xmlns:a16="http://schemas.microsoft.com/office/drawing/2014/main" id="{852F49EA-81B4-51FC-6456-BD14FCCDF289}"/>
+              </a:ext>
+            </a:extLst>
+          </p:cNvPr>
+          <p:cNvSpPr txBox="1"/>
+          <p:nvPr/>
+        </p:nvSpPr>
+        <p:spPr>
+          <a:xfrm>
+            <a:off x="71718" y="466165"/>
+            <a:ext cx="4500282" cy="6017032"/>
+          </a:xfrm>
+          <a:prstGeom prst="rect">
+            <a:avLst/>
+          </a:prstGeom>
+          <a:noFill/>
+        </p:spPr>
+        <p:txBody>
+          <a:bodyPr wrap="square" rtlCol="0">
+            <a:spAutoFit/>
+          </a:bodyPr>
+          <a:lstStyle/>
+          <a:p>
+            <a:r>
+              <a:rPr lang="en-US" sz="3500" dirty="0">
+                <a:latin typeface="Aptos" panose="020B0004020202020204" pitchFamily="34" charset="0"/>
+              </a:rPr>
+              <a:t>The main purpose of coding applications is to automate jobs using computers. In programming, when we want to perform an action </a:t>
+            </a:r>
+            <a:r>
+              <a:rPr lang="en-US" sz="3500" dirty="0">
+                <a:solidFill>
+                  <a:srgbClr val="FFC000"/>
+                </a:solidFill>
+                <a:latin typeface="Aptos" panose="020B0004020202020204" pitchFamily="34" charset="0"/>
+              </a:rPr>
+              <a:t>multiple times, </a:t>
+            </a:r>
+            <a:r>
+              <a:rPr lang="en-US" sz="3500" dirty="0">
+                <a:latin typeface="Aptos" panose="020B0004020202020204" pitchFamily="34" charset="0"/>
+              </a:rPr>
+              <a:t>we use iterative statements. In Python, one example of this statement is </a:t>
+            </a:r>
+            <a:r>
+              <a:rPr lang="en-US" sz="3500" dirty="0">
+                <a:solidFill>
+                  <a:srgbClr val="FFC000"/>
+                </a:solidFill>
+                <a:latin typeface="Aptos" panose="020B0004020202020204" pitchFamily="34" charset="0"/>
+              </a:rPr>
+              <a:t>a for-loop</a:t>
+            </a:r>
+            <a:endParaRPr lang="en-IN" sz="3500" dirty="0">
+              <a:solidFill>
+                <a:srgbClr val="FFC000"/>
+              </a:solidFill>
+              <a:latin typeface="Aptos" panose="020B0004020202020204" pitchFamily="34" charset="0"/>
+            </a:endParaRPr>
+          </a:p>
+        </p:txBody>
+      </p:sp>
+      <p:pic>
+        <p:nvPicPr>
+          <p:cNvPr id="7" name="Picture 6">
+            <a:extLst>
+              <a:ext uri="{FF2B5EF4-FFF2-40B4-BE49-F238E27FC236}">
+                <a16:creationId xmlns:a16="http://schemas.microsoft.com/office/drawing/2014/main" id="{AC777D1F-5F35-18A0-C4DF-117CE1D7FAE9}"/>
+              </a:ext>
+            </a:extLst>
+          </p:cNvPr>
+          <p:cNvPicPr>
+            <a:picLocks noChangeAspect="1"/>
+          </p:cNvPicPr>
+          <p:nvPr/>
+        </p:nvPicPr>
+        <p:blipFill>
+          <a:blip r:embed="rId2"/>
+          <a:stretch>
+            <a:fillRect/>
+          </a:stretch>
+        </p:blipFill>
+        <p:spPr>
+          <a:xfrm>
+            <a:off x="4643718" y="646769"/>
+            <a:ext cx="7022984" cy="1639231"/>
+          </a:xfrm>
+          <a:prstGeom prst="rect">
+            <a:avLst/>
+          </a:prstGeom>
+          <a:ln w="38100">
+            <a:solidFill>
+              <a:schemeClr val="accent6">
+                <a:lumMod val="60000"/>
+                <a:lumOff val="40000"/>
+              </a:schemeClr>
+            </a:solidFill>
+          </a:ln>
+        </p:spPr>
+      </p:pic>
+      <p:pic>
+        <p:nvPicPr>
+          <p:cNvPr id="9" name="Picture 8">
+            <a:extLst>
+              <a:ext uri="{FF2B5EF4-FFF2-40B4-BE49-F238E27FC236}">
+                <a16:creationId xmlns:a16="http://schemas.microsoft.com/office/drawing/2014/main" id="{D51C303C-F499-F92A-3B9B-4D9A450D2A0F}"/>
+              </a:ext>
+            </a:extLst>
+          </p:cNvPr>
+          <p:cNvPicPr>
+            <a:picLocks noChangeAspect="1"/>
+          </p:cNvPicPr>
+          <p:nvPr/>
+        </p:nvPicPr>
+        <p:blipFill>
+          <a:blip r:embed="rId3"/>
+          <a:stretch>
+            <a:fillRect/>
+          </a:stretch>
+        </p:blipFill>
+        <p:spPr>
+          <a:xfrm>
+            <a:off x="4643718" y="2920882"/>
+            <a:ext cx="7137575" cy="3148225"/>
+          </a:xfrm>
+          <a:prstGeom prst="rect">
+            <a:avLst/>
+          </a:prstGeom>
+          <a:ln w="38100">
+            <a:solidFill>
+              <a:srgbClr val="00B0F0"/>
+            </a:solidFill>
+          </a:ln>
+        </p:spPr>
+      </p:pic>
+      <p:sp>
+        <p:nvSpPr>
+          <p:cNvPr id="10" name="TextBox 9">
+            <a:extLst>
+              <a:ext uri="{FF2B5EF4-FFF2-40B4-BE49-F238E27FC236}">
+                <a16:creationId xmlns:a16="http://schemas.microsoft.com/office/drawing/2014/main" id="{6DE6F66B-00A6-E43E-8394-1DF59E79A0F4}"/>
+              </a:ext>
+            </a:extLst>
+          </p:cNvPr>
+          <p:cNvSpPr txBox="1"/>
+          <p:nvPr/>
+        </p:nvSpPr>
+        <p:spPr>
+          <a:xfrm>
+            <a:off x="4940387" y="2286000"/>
+            <a:ext cx="6544235" cy="415498"/>
+          </a:xfrm>
+          <a:prstGeom prst="rect">
+            <a:avLst/>
+          </a:prstGeom>
+          <a:noFill/>
+        </p:spPr>
+        <p:txBody>
+          <a:bodyPr wrap="square" rtlCol="0">
+            <a:spAutoFit/>
+          </a:bodyPr>
+          <a:lstStyle/>
+          <a:p>
+            <a:pPr algn="ctr"/>
+            <a:r>
+              <a:rPr lang="en-US" sz="2100" dirty="0">
+                <a:solidFill>
+                  <a:srgbClr val="00B0F0"/>
+                </a:solidFill>
+              </a:rPr>
+              <a:t>Code with loops</a:t>
+            </a:r>
+            <a:endParaRPr lang="en-IN" sz="2100" dirty="0">
+              <a:solidFill>
+                <a:srgbClr val="00B0F0"/>
+              </a:solidFill>
+            </a:endParaRPr>
+          </a:p>
+        </p:txBody>
+      </p:sp>
+      <p:sp>
+        <p:nvSpPr>
+          <p:cNvPr id="11" name="TextBox 10">
+            <a:extLst>
+              <a:ext uri="{FF2B5EF4-FFF2-40B4-BE49-F238E27FC236}">
+                <a16:creationId xmlns:a16="http://schemas.microsoft.com/office/drawing/2014/main" id="{5E95D511-0C0F-F301-3D81-FD0DEE266322}"/>
+              </a:ext>
+            </a:extLst>
+          </p:cNvPr>
+          <p:cNvSpPr txBox="1"/>
+          <p:nvPr/>
+        </p:nvSpPr>
+        <p:spPr>
+          <a:xfrm>
+            <a:off x="4940387" y="6067699"/>
+            <a:ext cx="6544235" cy="415498"/>
+          </a:xfrm>
+          <a:prstGeom prst="rect">
+            <a:avLst/>
+          </a:prstGeom>
+          <a:noFill/>
+        </p:spPr>
+        <p:txBody>
+          <a:bodyPr wrap="square" rtlCol="0">
+            <a:spAutoFit/>
+          </a:bodyPr>
+          <a:lstStyle/>
+          <a:p>
+            <a:pPr algn="ctr"/>
+            <a:r>
+              <a:rPr lang="en-US" sz="2100" dirty="0">
+                <a:solidFill>
+                  <a:srgbClr val="00B0F0"/>
+                </a:solidFill>
+              </a:rPr>
+              <a:t>The output</a:t>
+            </a:r>
+            <a:endParaRPr lang="en-IN" sz="2100" dirty="0">
+              <a:solidFill>
+                <a:srgbClr val="00B0F0"/>
+              </a:solidFill>
+            </a:endParaRPr>
+          </a:p>
+        </p:txBody>
+      </p:sp>
+    </p:spTree>
+    <p:extLst>
+      <p:ext uri="{BB962C8B-B14F-4D97-AF65-F5344CB8AC3E}">
+        <p14:creationId xmlns:p14="http://schemas.microsoft.com/office/powerpoint/2010/main" val="3336962824"/>
+      </p:ext>
+    </p:extLst>
+  </p:cSld>
+  <p:clrMapOvr>
+    <a:masterClrMapping/>
+  </p:clrMapOvr>
+  <mc:AlternateContent xmlns:mc="http://schemas.openxmlformats.org/markup-compatibility/2006">
+    <mc:Choice xmlns:p14="http://schemas.microsoft.com/office/powerpoint/2010/main" Requires="p14">
+      <p:transition spd="slow" p14:dur="1400">
+        <p14:doors dir="vert"/>
+      </p:transition>
+    </mc:Choice>
+    <mc:Fallback>
+      <p:transition spd="slow">
+        <p:fade/>
+      </p:transition>
+    </mc:Fallback>
+  </mc:AlternateContent>
+  <p:timing>
+    <p:tnLst>
+      <p:par>
+        <p:cTn id="1" dur="indefinite" restart="never" nodeType="tmRoot">
+          <p:childTnLst>
+            <p:seq concurrent="1" nextAc="seek">
+              <p:cTn id="2" dur="indefinite" nodeType="mainSeq">
+                <p:childTnLst>
+                  <p:par>
+                    <p:cTn id="3" fill="hold">
+                      <p:stCondLst>
+                        <p:cond delay="indefinite"/>
+                      </p:stCondLst>
+                      <p:childTnLst>
+                        <p:par>
+                          <p:cTn id="4" fill="hold">
+                            <p:stCondLst>
+                              <p:cond delay="0"/>
+                            </p:stCondLst>
+                            <p:childTnLst>
+                              <p:par>
+                                <p:cTn id="5" presetID="2" presetClass="entr" presetSubtype="4" fill="hold" grpId="0" nodeType="clickEffect">
+                                  <p:stCondLst>
+                                    <p:cond delay="0"/>
+                                  </p:stCondLst>
+                                  <p:childTnLst>
+                                    <p:set>
+                                      <p:cBhvr>
+                                        <p:cTn id="6" dur="1" fill="hold">
+                                          <p:stCondLst>
+                                            <p:cond delay="0"/>
+                                          </p:stCondLst>
+                                        </p:cTn>
+                                        <p:tgtEl>
+                                          <p:spTgt spid="4"/>
+                                        </p:tgtEl>
+                                        <p:attrNameLst>
+                                          <p:attrName>style.visibility</p:attrName>
+                                        </p:attrNameLst>
+                                      </p:cBhvr>
+                                      <p:to>
+                                        <p:strVal val="visible"/>
+                                      </p:to>
+                                    </p:set>
+                                    <p:anim calcmode="lin" valueType="num">
+                                      <p:cBhvr additive="base">
+                                        <p:cTn id="7" dur="500" fill="hold"/>
+                                        <p:tgtEl>
+                                          <p:spTgt spid="4"/>
+                                        </p:tgtEl>
+                                        <p:attrNameLst>
+                                          <p:attrName>ppt_x</p:attrName>
+                                        </p:attrNameLst>
+                                      </p:cBhvr>
+                                      <p:tavLst>
+                                        <p:tav tm="0">
+                                          <p:val>
+                                            <p:strVal val="#ppt_x"/>
+                                          </p:val>
+                                        </p:tav>
+                                        <p:tav tm="100000">
+                                          <p:val>
+                                            <p:strVal val="#ppt_x"/>
+                                          </p:val>
+                                        </p:tav>
+                                      </p:tavLst>
+                                    </p:anim>
+                                    <p:anim calcmode="lin" valueType="num">
+                                      <p:cBhvr additive="base">
+                                        <p:cTn id="8" dur="500" fill="hold"/>
+                                        <p:tgtEl>
+                                          <p:spTgt spid="4"/>
+                                        </p:tgtEl>
+                                        <p:attrNameLst>
+                                          <p:attrName>ppt_y</p:attrName>
+                                        </p:attrNameLst>
+                                      </p:cBhvr>
+                                      <p:tavLst>
+                                        <p:tav tm="0">
+                                          <p:val>
+                                            <p:strVal val="1+#ppt_h/2"/>
+                                          </p:val>
+                                        </p:tav>
+                                        <p:tav tm="100000">
+                                          <p:val>
+                                            <p:strVal val="#ppt_y"/>
+                                          </p:val>
+                                        </p:tav>
+                                      </p:tavLst>
+                                    </p:anim>
+                                  </p:childTnLst>
+                                </p:cTn>
+                              </p:par>
+                            </p:childTnLst>
+                          </p:cTn>
+                        </p:par>
+                      </p:childTnLst>
+                    </p:cTn>
+                  </p:par>
+                  <p:par>
+                    <p:cTn id="9" fill="hold">
+                      <p:stCondLst>
+                        <p:cond delay="indefinite"/>
+                      </p:stCondLst>
+                      <p:childTnLst>
+                        <p:par>
+                          <p:cTn id="10" fill="hold">
+                            <p:stCondLst>
+                              <p:cond delay="0"/>
+                            </p:stCondLst>
+                            <p:childTnLst>
+                              <p:par>
+                                <p:cTn id="11" presetID="16" presetClass="entr" presetSubtype="21" fill="hold" grpId="0" nodeType="clickEffect">
+                                  <p:stCondLst>
+                                    <p:cond delay="0"/>
+                                  </p:stCondLst>
+                                  <p:childTnLst>
+                                    <p:set>
+                                      <p:cBhvr>
+                                        <p:cTn id="12" dur="1" fill="hold">
+                                          <p:stCondLst>
+                                            <p:cond delay="0"/>
+                                          </p:stCondLst>
+                                        </p:cTn>
+                                        <p:tgtEl>
+                                          <p:spTgt spid="5"/>
+                                        </p:tgtEl>
+                                        <p:attrNameLst>
+                                          <p:attrName>style.visibility</p:attrName>
+                                        </p:attrNameLst>
+                                      </p:cBhvr>
+                                      <p:to>
+                                        <p:strVal val="visible"/>
+                                      </p:to>
+                                    </p:set>
+                                    <p:animEffect transition="in" filter="barn(inVertical)">
+                                      <p:cBhvr>
+                                        <p:cTn id="13" dur="500"/>
+                                        <p:tgtEl>
+                                          <p:spTgt spid="5"/>
+                                        </p:tgtEl>
+                                      </p:cBhvr>
+                                    </p:animEffect>
+                                  </p:childTnLst>
+                                </p:cTn>
+                              </p:par>
+                            </p:childTnLst>
+                          </p:cTn>
+                        </p:par>
+                      </p:childTnLst>
+                    </p:cTn>
+                  </p:par>
+                  <p:par>
+                    <p:cTn id="14" fill="hold">
+                      <p:stCondLst>
+                        <p:cond delay="indefinite"/>
+                      </p:stCondLst>
+                      <p:childTnLst>
+                        <p:par>
+                          <p:cTn id="15" fill="hold">
+                            <p:stCondLst>
+                              <p:cond delay="0"/>
+                            </p:stCondLst>
+                            <p:childTnLst>
+                              <p:par>
+                                <p:cTn id="16" presetID="42" presetClass="entr" presetSubtype="0" fill="hold" nodeType="clickEffect">
+                                  <p:stCondLst>
+                                    <p:cond delay="0"/>
+                                  </p:stCondLst>
+                                  <p:childTnLst>
+                                    <p:set>
+                                      <p:cBhvr>
+                                        <p:cTn id="17" dur="1" fill="hold">
+                                          <p:stCondLst>
+                                            <p:cond delay="0"/>
+                                          </p:stCondLst>
+                                        </p:cTn>
+                                        <p:tgtEl>
+                                          <p:spTgt spid="7"/>
+                                        </p:tgtEl>
+                                        <p:attrNameLst>
+                                          <p:attrName>style.visibility</p:attrName>
+                                        </p:attrNameLst>
+                                      </p:cBhvr>
+                                      <p:to>
+                                        <p:strVal val="visible"/>
+                                      </p:to>
+                                    </p:set>
+                                    <p:animEffect transition="in" filter="fade">
+                                      <p:cBhvr>
+                                        <p:cTn id="18" dur="1000"/>
+                                        <p:tgtEl>
+                                          <p:spTgt spid="7"/>
+                                        </p:tgtEl>
+                                      </p:cBhvr>
+                                    </p:animEffect>
+                                    <p:anim calcmode="lin" valueType="num">
+                                      <p:cBhvr>
+                                        <p:cTn id="19" dur="1000" fill="hold"/>
+                                        <p:tgtEl>
+                                          <p:spTgt spid="7"/>
+                                        </p:tgtEl>
+                                        <p:attrNameLst>
+                                          <p:attrName>ppt_x</p:attrName>
+                                        </p:attrNameLst>
+                                      </p:cBhvr>
+                                      <p:tavLst>
+                                        <p:tav tm="0">
+                                          <p:val>
+                                            <p:strVal val="#ppt_x"/>
+                                          </p:val>
+                                        </p:tav>
+                                        <p:tav tm="100000">
+                                          <p:val>
+                                            <p:strVal val="#ppt_x"/>
+                                          </p:val>
+                                        </p:tav>
+                                      </p:tavLst>
+                                    </p:anim>
+                                    <p:anim calcmode="lin" valueType="num">
+                                      <p:cBhvr>
+                                        <p:cTn id="20" dur="1000" fill="hold"/>
+                                        <p:tgtEl>
+                                          <p:spTgt spid="7"/>
+                                        </p:tgtEl>
+                                        <p:attrNameLst>
+                                          <p:attrName>ppt_y</p:attrName>
+                                        </p:attrNameLst>
+                                      </p:cBhvr>
+                                      <p:tavLst>
+                                        <p:tav tm="0">
+                                          <p:val>
+                                            <p:strVal val="#ppt_y+.1"/>
+                                          </p:val>
+                                        </p:tav>
+                                        <p:tav tm="100000">
+                                          <p:val>
+                                            <p:strVal val="#ppt_y"/>
+                                          </p:val>
+                                        </p:tav>
+                                      </p:tavLst>
+                                    </p:anim>
+                                  </p:childTnLst>
+                                </p:cTn>
+                              </p:par>
+                            </p:childTnLst>
+                          </p:cTn>
+                        </p:par>
+                        <p:par>
+                          <p:cTn id="21" fill="hold">
+                            <p:stCondLst>
+                              <p:cond delay="1000"/>
+                            </p:stCondLst>
+                            <p:childTnLst>
+                              <p:par>
+                                <p:cTn id="22" presetID="42" presetClass="entr" presetSubtype="0" fill="hold" grpId="0" nodeType="afterEffect">
+                                  <p:stCondLst>
+                                    <p:cond delay="0"/>
+                                  </p:stCondLst>
+                                  <p:childTnLst>
+                                    <p:set>
+                                      <p:cBhvr>
+                                        <p:cTn id="23" dur="1" fill="hold">
+                                          <p:stCondLst>
+                                            <p:cond delay="0"/>
+                                          </p:stCondLst>
+                                        </p:cTn>
+                                        <p:tgtEl>
+                                          <p:spTgt spid="10"/>
+                                        </p:tgtEl>
+                                        <p:attrNameLst>
+                                          <p:attrName>style.visibility</p:attrName>
+                                        </p:attrNameLst>
+                                      </p:cBhvr>
+                                      <p:to>
+                                        <p:strVal val="visible"/>
+                                      </p:to>
+                                    </p:set>
+                                    <p:animEffect transition="in" filter="fade">
+                                      <p:cBhvr>
+                                        <p:cTn id="24" dur="1000"/>
+                                        <p:tgtEl>
+                                          <p:spTgt spid="10"/>
+                                        </p:tgtEl>
+                                      </p:cBhvr>
+                                    </p:animEffect>
+                                    <p:anim calcmode="lin" valueType="num">
+                                      <p:cBhvr>
+                                        <p:cTn id="25" dur="1000" fill="hold"/>
+                                        <p:tgtEl>
+                                          <p:spTgt spid="10"/>
+                                        </p:tgtEl>
+                                        <p:attrNameLst>
+                                          <p:attrName>ppt_x</p:attrName>
+                                        </p:attrNameLst>
+                                      </p:cBhvr>
+                                      <p:tavLst>
+                                        <p:tav tm="0">
+                                          <p:val>
+                                            <p:strVal val="#ppt_x"/>
+                                          </p:val>
+                                        </p:tav>
+                                        <p:tav tm="100000">
+                                          <p:val>
+                                            <p:strVal val="#ppt_x"/>
+                                          </p:val>
+                                        </p:tav>
+                                      </p:tavLst>
+                                    </p:anim>
+                                    <p:anim calcmode="lin" valueType="num">
+                                      <p:cBhvr>
+                                        <p:cTn id="26" dur="1000" fill="hold"/>
+                                        <p:tgtEl>
+                                          <p:spTgt spid="10"/>
+                                        </p:tgtEl>
+                                        <p:attrNameLst>
+                                          <p:attrName>ppt_y</p:attrName>
+                                        </p:attrNameLst>
+                                      </p:cBhvr>
+                                      <p:tavLst>
+                                        <p:tav tm="0">
+                                          <p:val>
+                                            <p:strVal val="#ppt_y+.1"/>
+                                          </p:val>
+                                        </p:tav>
+                                        <p:tav tm="100000">
+                                          <p:val>
+                                            <p:strVal val="#ppt_y"/>
+                                          </p:val>
+                                        </p:tav>
+                                      </p:tavLst>
+                                    </p:anim>
+                                  </p:childTnLst>
+                                </p:cTn>
+                              </p:par>
+                            </p:childTnLst>
+                          </p:cTn>
+                        </p:par>
+                      </p:childTnLst>
+                    </p:cTn>
+                  </p:par>
+                  <p:par>
+                    <p:cTn id="27" fill="hold">
+                      <p:stCondLst>
+                        <p:cond delay="indefinite"/>
+                      </p:stCondLst>
+                      <p:childTnLst>
+                        <p:par>
+                          <p:cTn id="28" fill="hold">
+                            <p:stCondLst>
+                              <p:cond delay="0"/>
+                            </p:stCondLst>
+                            <p:childTnLst>
+                              <p:par>
+                                <p:cTn id="29" presetID="22" presetClass="entr" presetSubtype="4" fill="hold" nodeType="clickEffect">
+                                  <p:stCondLst>
+                                    <p:cond delay="0"/>
+                                  </p:stCondLst>
+                                  <p:childTnLst>
+                                    <p:set>
+                                      <p:cBhvr>
+                                        <p:cTn id="30" dur="1" fill="hold">
+                                          <p:stCondLst>
+                                            <p:cond delay="0"/>
+                                          </p:stCondLst>
+                                        </p:cTn>
+                                        <p:tgtEl>
+                                          <p:spTgt spid="9"/>
+                                        </p:tgtEl>
+                                        <p:attrNameLst>
+                                          <p:attrName>style.visibility</p:attrName>
+                                        </p:attrNameLst>
+                                      </p:cBhvr>
+                                      <p:to>
+                                        <p:strVal val="visible"/>
+                                      </p:to>
+                                    </p:set>
+                                    <p:animEffect transition="in" filter="wipe(down)">
+                                      <p:cBhvr>
+                                        <p:cTn id="31" dur="500"/>
+                                        <p:tgtEl>
+                                          <p:spTgt spid="9"/>
+                                        </p:tgtEl>
+                                      </p:cBhvr>
+                                    </p:animEffect>
+                                  </p:childTnLst>
+                                </p:cTn>
+                              </p:par>
+                            </p:childTnLst>
+                          </p:cTn>
+                        </p:par>
+                        <p:par>
+                          <p:cTn id="32" fill="hold">
+                            <p:stCondLst>
+                              <p:cond delay="500"/>
+                            </p:stCondLst>
+                            <p:childTnLst>
+                              <p:par>
+                                <p:cTn id="33" presetID="22" presetClass="entr" presetSubtype="4" fill="hold" grpId="0" nodeType="afterEffect">
+                                  <p:stCondLst>
+                                    <p:cond delay="0"/>
+                                  </p:stCondLst>
+                                  <p:childTnLst>
+                                    <p:set>
+                                      <p:cBhvr>
+                                        <p:cTn id="34" dur="1" fill="hold">
+                                          <p:stCondLst>
+                                            <p:cond delay="0"/>
+                                          </p:stCondLst>
+                                        </p:cTn>
+                                        <p:tgtEl>
+                                          <p:spTgt spid="11"/>
+                                        </p:tgtEl>
+                                        <p:attrNameLst>
+                                          <p:attrName>style.visibility</p:attrName>
+                                        </p:attrNameLst>
+                                      </p:cBhvr>
+                                      <p:to>
+                                        <p:strVal val="visible"/>
+                                      </p:to>
+                                    </p:set>
+                                    <p:animEffect transition="in" filter="wipe(down)">
+                                      <p:cBhvr>
+                                        <p:cTn id="35" dur="500"/>
+                                        <p:tgtEl>
+                                          <p:spTgt spid="11"/>
+                                        </p:tgtEl>
+                                      </p:cBhvr>
+                                    </p:animEffect>
+                                  </p:childTnLst>
+                                </p:cTn>
+                              </p:par>
+                            </p:childTnLst>
+                          </p:cTn>
+                        </p:par>
+                      </p:childTnLst>
+                    </p:cTn>
+                  </p:par>
+                </p:childTnLst>
+              </p:cTn>
+              <p:prevCondLst>
+                <p:cond evt="onPrev" delay="0">
+                  <p:tgtEl>
+                    <p:sldTgt/>
+                  </p:tgtEl>
+                </p:cond>
+              </p:prevCondLst>
+              <p:nextCondLst>
+                <p:cond evt="onNext" delay="0">
+                  <p:tgtEl>
+                    <p:sldTgt/>
+                  </p:tgtEl>
+                </p:cond>
+              </p:nextCondLst>
+            </p:seq>
+          </p:childTnLst>
+        </p:cTn>
+      </p:par>
+    </p:tnLst>
+    <p:bldLst>
+      <p:bldP spid="4" grpId="0"/>
+      <p:bldP spid="5" grpId="0"/>
+      <p:bldP spid="10" grpId="0"/>
+      <p:bldP spid="11" grpId="0"/>
+    </p:bldLst>
+  </p:timing>
+</p:sld>
+</file>
+
+<file path=ppt/slides/slide8.xml><?xml version="1.0" encoding="utf-8"?>
+<p:sld xmlns:a="http://schemas.openxmlformats.org/drawingml/2006/main" xmlns:r="http://schemas.openxmlformats.org/officeDocument/2006/relationships" xmlns:p="http://schemas.openxmlformats.org/presentationml/2006/main">
+  <p:cSld>
+    <p:spTree>
+      <p:nvGrpSpPr>
+        <p:cNvPr id="1" name=""/>
+        <p:cNvGrpSpPr/>
+        <p:nvPr/>
+      </p:nvGrpSpPr>
+      <p:grpSpPr>
+        <a:xfrm>
+          <a:off x="0" y="0"/>
+          <a:ext cx="0" cy="0"/>
+          <a:chOff x="0" y="0"/>
+          <a:chExt cx="0" cy="0"/>
+        </a:xfrm>
+      </p:grpSpPr>
+      <p:sp>
+        <p:nvSpPr>
+          <p:cNvPr id="4" name="TextBox 3">
+            <a:extLst>
+              <a:ext uri="{FF2B5EF4-FFF2-40B4-BE49-F238E27FC236}">
+                <a16:creationId xmlns:a16="http://schemas.microsoft.com/office/drawing/2014/main" id="{B6C40C12-D292-45E2-1D52-0ECCA863952D}"/>
+              </a:ext>
+            </a:extLst>
+          </p:cNvPr>
+          <p:cNvSpPr txBox="1"/>
+          <p:nvPr/>
+        </p:nvSpPr>
+        <p:spPr>
+          <a:xfrm>
+            <a:off x="71718" y="0"/>
+            <a:ext cx="12192000" cy="553998"/>
+          </a:xfrm>
+          <a:prstGeom prst="rect">
+            <a:avLst/>
+          </a:prstGeom>
+          <a:noFill/>
+        </p:spPr>
+        <p:txBody>
+          <a:bodyPr wrap="square" rtlCol="0">
+            <a:spAutoFit/>
+          </a:bodyPr>
+          <a:lstStyle/>
+          <a:p>
+            <a:pPr algn="ctr"/>
+            <a:r>
+              <a:rPr lang="en-US" sz="3000" b="1" dirty="0">
+                <a:latin typeface="Aptos Display" panose="020B0004020202020204" pitchFamily="34" charset="0"/>
+              </a:rPr>
+              <a:t>MORE KINDS OF ITERATIVE STATEMENTS IN PYTHON</a:t>
+            </a:r>
+            <a:endParaRPr lang="en-IN" sz="3000" b="1" dirty="0">
+              <a:latin typeface="Aptos Display" panose="020B0004020202020204" pitchFamily="34" charset="0"/>
+            </a:endParaRPr>
+          </a:p>
+        </p:txBody>
+      </p:sp>
+      <p:sp>
+        <p:nvSpPr>
+          <p:cNvPr id="2" name="TextBox 1">
+            <a:extLst>
+              <a:ext uri="{FF2B5EF4-FFF2-40B4-BE49-F238E27FC236}">
+                <a16:creationId xmlns:a16="http://schemas.microsoft.com/office/drawing/2014/main" id="{BA8234C0-68E6-A86C-2755-F724C5BE4432}"/>
+              </a:ext>
+            </a:extLst>
+          </p:cNvPr>
+          <p:cNvSpPr txBox="1"/>
+          <p:nvPr/>
+        </p:nvSpPr>
+        <p:spPr>
+          <a:xfrm>
+            <a:off x="71718" y="466165"/>
+            <a:ext cx="4455458" cy="5478423"/>
+          </a:xfrm>
+          <a:prstGeom prst="rect">
+            <a:avLst/>
+          </a:prstGeom>
+          <a:noFill/>
+        </p:spPr>
+        <p:txBody>
+          <a:bodyPr wrap="square" rtlCol="0">
+            <a:spAutoFit/>
+          </a:bodyPr>
+          <a:lstStyle/>
+          <a:p>
+            <a:r>
+              <a:rPr lang="en-US" sz="3500" dirty="0">
+                <a:solidFill>
+                  <a:schemeClr val="accent4">
+                    <a:lumMod val="60000"/>
+                    <a:lumOff val="40000"/>
+                  </a:schemeClr>
+                </a:solidFill>
+                <a:latin typeface="Aptos" panose="020B0004020202020204" pitchFamily="34" charset="0"/>
+              </a:rPr>
+              <a:t>In Python , there is also an another type of statement known as while loop. It is a bit different from for- loop as it doesn’t have a stopping condition and stops only </a:t>
+            </a:r>
+            <a:r>
+              <a:rPr lang="en-US" sz="3500" dirty="0">
+                <a:solidFill>
+                  <a:srgbClr val="FFC000"/>
+                </a:solidFill>
+                <a:latin typeface="Aptos" panose="020B0004020202020204" pitchFamily="34" charset="0"/>
+              </a:rPr>
+              <a:t>when provided value is false.</a:t>
+            </a:r>
+            <a:endParaRPr lang="en-IN" sz="3500" dirty="0">
+              <a:solidFill>
+                <a:srgbClr val="FFC000"/>
+              </a:solidFill>
+              <a:latin typeface="Aptos" panose="020B0004020202020204" pitchFamily="34" charset="0"/>
+            </a:endParaRPr>
+          </a:p>
+        </p:txBody>
+      </p:sp>
+      <p:pic>
+        <p:nvPicPr>
+          <p:cNvPr id="6" name="Picture 5">
+            <a:extLst>
+              <a:ext uri="{FF2B5EF4-FFF2-40B4-BE49-F238E27FC236}">
+                <a16:creationId xmlns:a16="http://schemas.microsoft.com/office/drawing/2014/main" id="{AA0B02C5-F353-E93A-926F-FC6AC97B9E2B}"/>
+              </a:ext>
+            </a:extLst>
+          </p:cNvPr>
+          <p:cNvPicPr>
+            <a:picLocks noChangeAspect="1"/>
+          </p:cNvPicPr>
+          <p:nvPr/>
+        </p:nvPicPr>
+        <p:blipFill>
+          <a:blip r:embed="rId2"/>
+          <a:stretch>
+            <a:fillRect/>
+          </a:stretch>
+        </p:blipFill>
+        <p:spPr>
+          <a:xfrm>
+            <a:off x="5136774" y="553998"/>
+            <a:ext cx="6544237" cy="2325964"/>
+          </a:xfrm>
+          <a:prstGeom prst="rect">
+            <a:avLst/>
+          </a:prstGeom>
+          <a:ln w="38100">
+            <a:solidFill>
+              <a:srgbClr val="00B0F0"/>
+            </a:solidFill>
+          </a:ln>
+        </p:spPr>
+      </p:pic>
+      <p:pic>
+        <p:nvPicPr>
+          <p:cNvPr id="10" name="Picture 9">
+            <a:extLst>
+              <a:ext uri="{FF2B5EF4-FFF2-40B4-BE49-F238E27FC236}">
+                <a16:creationId xmlns:a16="http://schemas.microsoft.com/office/drawing/2014/main" id="{106128C7-FB1F-4E4E-3BF3-8EFDFAFD8B3F}"/>
+              </a:ext>
+            </a:extLst>
+          </p:cNvPr>
+          <p:cNvPicPr>
+            <a:picLocks noChangeAspect="1"/>
+          </p:cNvPicPr>
+          <p:nvPr/>
+        </p:nvPicPr>
+        <p:blipFill>
+          <a:blip r:embed="rId3"/>
+          <a:stretch>
+            <a:fillRect/>
+          </a:stretch>
+        </p:blipFill>
+        <p:spPr>
+          <a:xfrm>
+            <a:off x="4347882" y="3429000"/>
+            <a:ext cx="5369861" cy="3322521"/>
+          </a:xfrm>
+          <a:prstGeom prst="rect">
+            <a:avLst/>
+          </a:prstGeom>
+          <a:ln w="38100">
+            <a:solidFill>
+              <a:schemeClr val="accent4">
+                <a:lumMod val="60000"/>
+                <a:lumOff val="40000"/>
+              </a:schemeClr>
+            </a:solidFill>
+          </a:ln>
+        </p:spPr>
+      </p:pic>
+      <p:sp>
+        <p:nvSpPr>
+          <p:cNvPr id="11" name="TextBox 10">
+            <a:extLst>
+              <a:ext uri="{FF2B5EF4-FFF2-40B4-BE49-F238E27FC236}">
+                <a16:creationId xmlns:a16="http://schemas.microsoft.com/office/drawing/2014/main" id="{151FD173-A1EA-28AA-BC2E-51793C233CB9}"/>
+              </a:ext>
+            </a:extLst>
+          </p:cNvPr>
+          <p:cNvSpPr txBox="1"/>
+          <p:nvPr/>
+        </p:nvSpPr>
+        <p:spPr>
+          <a:xfrm>
+            <a:off x="4660204" y="2997627"/>
+            <a:ext cx="6544235" cy="415498"/>
+          </a:xfrm>
+          <a:prstGeom prst="rect">
+            <a:avLst/>
+          </a:prstGeom>
+          <a:noFill/>
+        </p:spPr>
+        <p:txBody>
+          <a:bodyPr wrap="square" rtlCol="0">
+            <a:spAutoFit/>
+          </a:bodyPr>
+          <a:lstStyle/>
+          <a:p>
+            <a:pPr algn="ctr"/>
+            <a:r>
+              <a:rPr lang="en-US" sz="2100" dirty="0">
+                <a:solidFill>
+                  <a:srgbClr val="00B0F0"/>
+                </a:solidFill>
+              </a:rPr>
+              <a:t>The while loop code</a:t>
+            </a:r>
+            <a:endParaRPr lang="en-IN" sz="2100" dirty="0">
+              <a:solidFill>
+                <a:srgbClr val="00B0F0"/>
+              </a:solidFill>
+            </a:endParaRPr>
+          </a:p>
+        </p:txBody>
+      </p:sp>
+      <p:sp>
+        <p:nvSpPr>
+          <p:cNvPr id="12" name="TextBox 11">
+            <a:extLst>
+              <a:ext uri="{FF2B5EF4-FFF2-40B4-BE49-F238E27FC236}">
+                <a16:creationId xmlns:a16="http://schemas.microsoft.com/office/drawing/2014/main" id="{1C51BB74-BC88-8561-A289-BC897ECD8B74}"/>
+              </a:ext>
+            </a:extLst>
+          </p:cNvPr>
+          <p:cNvSpPr txBox="1"/>
+          <p:nvPr/>
+        </p:nvSpPr>
+        <p:spPr>
+          <a:xfrm>
+            <a:off x="9747312" y="3408643"/>
+            <a:ext cx="2480547" cy="415498"/>
+          </a:xfrm>
+          <a:prstGeom prst="rect">
+            <a:avLst/>
+          </a:prstGeom>
+          <a:noFill/>
+        </p:spPr>
+        <p:txBody>
+          <a:bodyPr wrap="square" rtlCol="0">
+            <a:spAutoFit/>
+          </a:bodyPr>
+          <a:lstStyle/>
+          <a:p>
+            <a:pPr algn="ctr"/>
+            <a:r>
+              <a:rPr lang="en-US" sz="2100">
+                <a:solidFill>
+                  <a:srgbClr val="00B0F0"/>
+                </a:solidFill>
+              </a:rPr>
+              <a:t>The output</a:t>
+            </a:r>
+            <a:endParaRPr lang="en-IN" sz="2100" dirty="0">
+              <a:solidFill>
+                <a:srgbClr val="00B0F0"/>
+              </a:solidFill>
+            </a:endParaRPr>
+          </a:p>
+        </p:txBody>
+      </p:sp>
+    </p:spTree>
+    <p:extLst>
+      <p:ext uri="{BB962C8B-B14F-4D97-AF65-F5344CB8AC3E}">
+        <p14:creationId xmlns:p14="http://schemas.microsoft.com/office/powerpoint/2010/main" val="744330766"/>
+      </p:ext>
+    </p:extLst>
+  </p:cSld>
+  <p:clrMapOvr>
+    <a:masterClrMapping/>
+  </p:clrMapOvr>
+  <p:timing>
+    <p:tnLst>
+      <p:par>
+        <p:cTn id="1" dur="indefinite" restart="never" nodeType="tmRoot">
+          <p:childTnLst>
+            <p:seq concurrent="1" nextAc="seek">
+              <p:cTn id="2" dur="indefinite" nodeType="mainSeq">
+                <p:childTnLst>
+                  <p:par>
+                    <p:cTn id="3" fill="hold">
+                      <p:stCondLst>
+                        <p:cond delay="indefinite"/>
+                      </p:stCondLst>
+                      <p:childTnLst>
+                        <p:par>
+                          <p:cTn id="4" fill="hold">
+                            <p:stCondLst>
+                              <p:cond delay="0"/>
+                            </p:stCondLst>
+                            <p:childTnLst>
+                              <p:par>
+                                <p:cTn id="5" presetID="42" presetClass="entr" presetSubtype="0" fill="hold" nodeType="clickEffect">
+                                  <p:stCondLst>
+                                    <p:cond delay="0"/>
+                                  </p:stCondLst>
+                                  <p:childTnLst>
+                                    <p:set>
+                                      <p:cBhvr>
+                                        <p:cTn id="6" dur="1" fill="hold">
+                                          <p:stCondLst>
+                                            <p:cond delay="0"/>
+                                          </p:stCondLst>
+                                        </p:cTn>
+                                        <p:tgtEl>
+                                          <p:spTgt spid="11">
+                                            <p:txEl>
+                                              <p:pRg st="0" end="0"/>
+                                            </p:txEl>
+                                          </p:spTgt>
+                                        </p:tgtEl>
+                                        <p:attrNameLst>
+                                          <p:attrName>style.visibility</p:attrName>
+                                        </p:attrNameLst>
+                                      </p:cBhvr>
+                                      <p:to>
+                                        <p:strVal val="visible"/>
+                                      </p:to>
+                                    </p:set>
+                                    <p:animEffect transition="in" filter="fade">
+                                      <p:cBhvr>
+                                        <p:cTn id="7" dur="1000"/>
+                                        <p:tgtEl>
+                                          <p:spTgt spid="11">
+                                            <p:txEl>
+                                              <p:pRg st="0" end="0"/>
+                                            </p:txEl>
+                                          </p:spTgt>
+                                        </p:tgtEl>
+                                      </p:cBhvr>
+                                    </p:animEffect>
+                                    <p:anim calcmode="lin" valueType="num">
+                                      <p:cBhvr>
+                                        <p:cTn id="8" dur="1000" fill="hold"/>
+                                        <p:tgtEl>
+                                          <p:spTgt spid="11">
+                                            <p:txEl>
+                                              <p:pRg st="0" end="0"/>
+                                            </p:txEl>
+                                          </p:spTgt>
+                                        </p:tgtEl>
+                                        <p:attrNameLst>
+                                          <p:attrName>ppt_x</p:attrName>
+                                        </p:attrNameLst>
+                                      </p:cBhvr>
+                                      <p:tavLst>
+                                        <p:tav tm="0">
+                                          <p:val>
+                                            <p:strVal val="#ppt_x"/>
+                                          </p:val>
+                                        </p:tav>
+                                        <p:tav tm="100000">
+                                          <p:val>
+                                            <p:strVal val="#ppt_x"/>
+                                          </p:val>
+                                        </p:tav>
+                                      </p:tavLst>
+                                    </p:anim>
+                                    <p:anim calcmode="lin" valueType="num">
+                                      <p:cBhvr>
+                                        <p:cTn id="9" dur="1000" fill="hold"/>
+                                        <p:tgtEl>
+                                          <p:spTgt spid="11">
+                                            <p:txEl>
+                                              <p:pRg st="0" end="0"/>
+                                            </p:txEl>
+                                          </p:spTgt>
+                                        </p:tgtEl>
+                                        <p:attrNameLst>
+                                          <p:attrName>ppt_y</p:attrName>
+                                        </p:attrNameLst>
+                                      </p:cBhvr>
+                                      <p:tavLst>
+                                        <p:tav tm="0">
+                                          <p:val>
+                                            <p:strVal val="#ppt_y+.1"/>
+                                          </p:val>
+                                        </p:tav>
+                                        <p:tav tm="100000">
+                                          <p:val>
+                                            <p:strVal val="#ppt_y"/>
+                                          </p:val>
+                                        </p:tav>
+                                      </p:tavLst>
+                                    </p:anim>
+                                  </p:childTnLst>
+                                </p:cTn>
+                              </p:par>
+                            </p:childTnLst>
+                          </p:cTn>
+                        </p:par>
+                      </p:childTnLst>
+                    </p:cTn>
+                  </p:par>
+                  <p:par>
+                    <p:cTn id="10" fill="hold">
+                      <p:stCondLst>
+                        <p:cond delay="indefinite"/>
+                      </p:stCondLst>
+                      <p:childTnLst>
+                        <p:par>
+                          <p:cTn id="11" fill="hold">
+                            <p:stCondLst>
+                              <p:cond delay="0"/>
+                            </p:stCondLst>
+                            <p:childTnLst>
+                              <p:par>
+                                <p:cTn id="12" presetID="42" presetClass="entr" presetSubtype="0" fill="hold" nodeType="clickEffect">
+                                  <p:stCondLst>
+                                    <p:cond delay="0"/>
+                                  </p:stCondLst>
+                                  <p:childTnLst>
+                                    <p:set>
+                                      <p:cBhvr>
+                                        <p:cTn id="13" dur="1" fill="hold">
+                                          <p:stCondLst>
+                                            <p:cond delay="0"/>
+                                          </p:stCondLst>
+                                        </p:cTn>
+                                        <p:tgtEl>
+                                          <p:spTgt spid="12">
+                                            <p:txEl>
+                                              <p:pRg st="0" end="0"/>
+                                            </p:txEl>
+                                          </p:spTgt>
+                                        </p:tgtEl>
+                                        <p:attrNameLst>
+                                          <p:attrName>style.visibility</p:attrName>
+                                        </p:attrNameLst>
+                                      </p:cBhvr>
+                                      <p:to>
+                                        <p:strVal val="visible"/>
+                                      </p:to>
+                                    </p:set>
+                                    <p:animEffect transition="in" filter="fade">
+                                      <p:cBhvr>
+                                        <p:cTn id="14" dur="1000"/>
+                                        <p:tgtEl>
+                                          <p:spTgt spid="12">
+                                            <p:txEl>
+                                              <p:pRg st="0" end="0"/>
+                                            </p:txEl>
+                                          </p:spTgt>
+                                        </p:tgtEl>
+                                      </p:cBhvr>
+                                    </p:animEffect>
+                                    <p:anim calcmode="lin" valueType="num">
+                                      <p:cBhvr>
+                                        <p:cTn id="15" dur="1000" fill="hold"/>
+                                        <p:tgtEl>
+                                          <p:spTgt spid="12">
+                                            <p:txEl>
+                                              <p:pRg st="0" end="0"/>
+                                            </p:txEl>
+                                          </p:spTgt>
+                                        </p:tgtEl>
+                                        <p:attrNameLst>
+                                          <p:attrName>ppt_x</p:attrName>
+                                        </p:attrNameLst>
+                                      </p:cBhvr>
+                                      <p:tavLst>
+                                        <p:tav tm="0">
+                                          <p:val>
+                                            <p:strVal val="#ppt_x"/>
+                                          </p:val>
+                                        </p:tav>
+                                        <p:tav tm="100000">
+                                          <p:val>
+                                            <p:strVal val="#ppt_x"/>
+                                          </p:val>
+                                        </p:tav>
+                                      </p:tavLst>
+                                    </p:anim>
+                                    <p:anim calcmode="lin" valueType="num">
+                                      <p:cBhvr>
+                                        <p:cTn id="16" dur="1000" fill="hold"/>
+                                        <p:tgtEl>
+                                          <p:spTgt spid="12">
+                                            <p:txEl>
+                                              <p:pRg st="0" end="0"/>
+                                            </p:txEl>
+                                          </p:spTgt>
+                                        </p:tgtEl>
+                                        <p:attrNameLst>
+                                          <p:attrName>ppt_y</p:attrName>
+                                        </p:attrNameLst>
+                                      </p:cBhvr>
+                                      <p:tavLst>
+                                        <p:tav tm="0">
+                                          <p:val>
+                                            <p:strVal val="#ppt_y+.1"/>
+                                          </p:val>
+                                        </p:tav>
+                                        <p:tav tm="100000">
+                                          <p:val>
+                                            <p:strVal val="#ppt_y"/>
+                                          </p:val>
+                                        </p:tav>
+                                      </p:tavLst>
+                                    </p:anim>
+                                  </p:childTnLst>
+                                </p:cTn>
+                              </p:par>
+                            </p:childTnLst>
+                          </p:cTn>
+                        </p:par>
+                      </p:childTnLst>
+                    </p:cTn>
+                  </p:par>
+                </p:childTnLst>
+              </p:cTn>
+              <p:prevCondLst>
+                <p:cond evt="onPrev" delay="0">
+                  <p:tgtEl>
+                    <p:sldTgt/>
+                  </p:tgtEl>
+                </p:cond>
+              </p:prevCondLst>
+              <p:nextCondLst>
+                <p:cond evt="onNext" delay="0">
+                  <p:tgtEl>
+                    <p:sldTgt/>
+                  </p:tgtEl>
+                </p:cond>
+              </p:nextCondLst>
+            </p:seq>
+          </p:childTnLst>
+        </p:cTn>
+      </p:par>
+    </p:tnLst>
+  </p:timing>
+</p:sld>
+</file>
+
+<file path=ppt/slides/slide9.xml><?xml version="1.0" encoding="utf-8"?>
+<p:sld xmlns:a="http://schemas.openxmlformats.org/drawingml/2006/main" xmlns:r="http://schemas.openxmlformats.org/officeDocument/2006/relationships" xmlns:p="http://schemas.openxmlformats.org/presentationml/2006/main">
+  <p:cSld>
+    <p:spTree>
+      <p:nvGrpSpPr>
+        <p:cNvPr id="1" name=""/>
+        <p:cNvGrpSpPr/>
+        <p:nvPr/>
+      </p:nvGrpSpPr>
+      <p:grpSpPr>
+        <a:xfrm>
+          <a:off x="0" y="0"/>
+          <a:ext cx="0" cy="0"/>
+          <a:chOff x="0" y="0"/>
+          <a:chExt cx="0" cy="0"/>
+        </a:xfrm>
+      </p:grpSpPr>
+      <p:sp>
+        <p:nvSpPr>
           <p:cNvPr id="2" name="Title 1">
             <a:extLst>
               <a:ext uri="{FF2B5EF4-FFF2-40B4-BE49-F238E27FC236}">
@@ -10312,13 +11691,13 @@
   <p:clrMapOvr>
     <a:masterClrMapping/>
   </p:clrMapOvr>
-  <mc:AlternateContent xmlns:mc="http://schemas.openxmlformats.org/markup-compatibility/2006">
-    <mc:Choice xmlns:p14="http://schemas.microsoft.com/office/powerpoint/2010/main" Requires="p14">
+  <mc:AlternateContent xmlns:mc="http://schemas.openxmlformats.org/markup-compatibility/2006" xmlns:p14="http://schemas.microsoft.com/office/powerpoint/2010/main">
+    <mc:Choice Requires="p14">
       <p:transition spd="slow" p14:dur="1600">
         <p:blinds dir="vert"/>
       </p:transition>
     </mc:Choice>
-    <mc:Fallback>
+    <mc:Fallback xmlns="">
       <p:transition spd="slow">
         <p:blinds dir="vert"/>
       </p:transition>
@@ -10462,7 +11841,7 @@
 <file path=ppt/theme/theme1.xml><?xml version="1.0" encoding="utf-8"?>
 <a:theme xmlns:a="http://schemas.openxmlformats.org/drawingml/2006/main" name="Slice">
   <a:themeElements>
-    <a:clrScheme name="Slice">
+    <a:clrScheme name="Violet II">
       <a:dk1>
         <a:sysClr val="windowText" lastClr="000000"/>
       </a:dk1>
@@ -10470,34 +11849,34 @@
         <a:sysClr val="window" lastClr="FFFFFF"/>
       </a:lt1>
       <a:dk2>
-        <a:srgbClr val="AD2E03"/>
+        <a:srgbClr val="632E62"/>
       </a:dk2>
       <a:lt2>
-        <a:srgbClr val="D75626"/>
+        <a:srgbClr val="EAE5EB"/>
       </a:lt2>
       <a:accent1>
-        <a:srgbClr val="760603"/>
+        <a:srgbClr val="92278F"/>
       </a:accent1>
       <a:accent2>
-        <a:srgbClr val="FA9C1F"/>
+        <a:srgbClr val="9B57D3"/>
       </a:accent2>
       <a:accent3>
-        <a:srgbClr val="D9BB55"/>
+        <a:srgbClr val="755DD9"/>
       </a:accent3>
       <a:accent4>
-        <a:srgbClr val="829551"/>
+        <a:srgbClr val="665EB8"/>
       </a:accent4>
       <a:accent5>
-        <a:srgbClr val="58A28B"/>
+        <a:srgbClr val="45A5ED"/>
       </a:accent5>
       <a:accent6>
-        <a:srgbClr val="426480"/>
+        <a:srgbClr val="5982DB"/>
       </a:accent6>
       <a:hlink>
-        <a:srgbClr val="460402"/>
+        <a:srgbClr val="0066FF"/>
       </a:hlink>
       <a:folHlink>
-        <a:srgbClr val="991111"/>
+        <a:srgbClr val="666699"/>
       </a:folHlink>
     </a:clrScheme>
     <a:fontScheme name="Slice">
@@ -10683,17 +12062,17 @@
             <a:gs pos="10000">
               <a:schemeClr val="phClr">
                 <a:tint val="97000"/>
-                <a:hueMod val="142000"/>
+                <a:hueMod val="162000"/>
                 <a:satMod val="200000"/>
-                <a:lumMod val="118000"/>
+                <a:lumMod val="124000"/>
               </a:schemeClr>
             </a:gs>
             <a:gs pos="100000">
               <a:schemeClr val="phClr">
-                <a:shade val="94000"/>
-                <a:hueMod val="22000"/>
+                <a:shade val="96000"/>
+                <a:hueMod val="88000"/>
                 <a:satMod val="220000"/>
-                <a:lumMod val="62000"/>
+                <a:lumMod val="82000"/>
               </a:schemeClr>
             </a:gs>
           </a:gsLst>
@@ -10729,7 +12108,7 @@
   <a:extraClrSchemeLst/>
   <a:extLst>
     <a:ext uri="{05A4C25C-085E-4340-85A3-A5531E510DB2}">
-      <thm15:themeFamily xmlns:thm15="http://schemas.microsoft.com/office/thememl/2012/main" name="Slice" id="{0507925B-6AC9-4358-8E18-C330545D08F8}" vid="{2903AAAE-3EA5-424A-B142-CC51DC1F897D}"/>
+      <thm15:themeFamily xmlns:thm15="http://schemas.microsoft.com/office/thememl/2012/main" name="Slice" id="{0507925B-6AC9-4358-8E18-C330545D08F8}" vid="{282EB108-EDE6-4B8E-957B-D4A69BF580EA}"/>
     </a:ext>
   </a:extLst>
 </a:theme>
